--- a/Presentazione/Sistema didattico per arduino.pptx
+++ b/Presentazione/Sistema didattico per arduino.pptx
@@ -218,7 +218,7 @@
           <a:effectLst/>
           <a:extLst>
             <a:ext uri="{91240B29-F687-4f45-9708-019B960494DF}">
-              <a14:hiddenLine xmlns="" xmlns:a14="http://schemas.microsoft.com/office/drawing/2010/main" w="9525">
+              <a14:hiddenLine xmlns:a14="http://schemas.microsoft.com/office/drawing/2010/main" xmlns="" w="9525">
                 <a:solidFill>
                   <a:srgbClr val="000000"/>
                 </a:solidFill>
@@ -410,7 +410,7 @@
           <a:p>
             <a:fld id="{F4D983DA-B033-4AF0-9E72-425BA079F0C8}" type="datetimeFigureOut">
               <a:rPr lang="it-IT" smtClean="0"/>
-              <a:t>01/02/2019</a:t>
+              <a:t>08/02/2019</a:t>
             </a:fld>
             <a:endParaRPr lang="it-IT"/>
           </a:p>
@@ -728,7 +728,7 @@
           <a:p>
             <a:fld id="{F4D983DA-B033-4AF0-9E72-425BA079F0C8}" type="datetimeFigureOut">
               <a:rPr lang="it-IT" smtClean="0"/>
-              <a:t>01/02/2019</a:t>
+              <a:t>08/02/2019</a:t>
             </a:fld>
             <a:endParaRPr lang="it-IT"/>
           </a:p>
@@ -1216,7 +1216,7 @@
           <a:p>
             <a:fld id="{F4D983DA-B033-4AF0-9E72-425BA079F0C8}" type="datetimeFigureOut">
               <a:rPr lang="it-IT" smtClean="0"/>
-              <a:t>01/02/2019</a:t>
+              <a:t>08/02/2019</a:t>
             </a:fld>
             <a:endParaRPr lang="it-IT"/>
           </a:p>
@@ -1585,7 +1585,7 @@
           <a:p>
             <a:fld id="{F4D983DA-B033-4AF0-9E72-425BA079F0C8}" type="datetimeFigureOut">
               <a:rPr lang="it-IT" smtClean="0"/>
-              <a:t>01/02/2019</a:t>
+              <a:t>08/02/2019</a:t>
             </a:fld>
             <a:endParaRPr lang="it-IT"/>
           </a:p>
@@ -1740,7 +1740,7 @@
           <a:ln/>
           <a:extLst>
             <a:ext uri="{91240B29-F687-4f45-9708-019B960494DF}">
-              <a14:hiddenLine xmlns="" xmlns:a14="http://schemas.microsoft.com/office/drawing/2010/main" w="9525">
+              <a14:hiddenLine xmlns:a14="http://schemas.microsoft.com/office/drawing/2010/main" xmlns="" w="9525">
                 <a:solidFill>
                   <a:srgbClr val="000000"/>
                 </a:solidFill>
@@ -1858,7 +1858,7 @@
           <a:p>
             <a:fld id="{F4D983DA-B033-4AF0-9E72-425BA079F0C8}" type="datetimeFigureOut">
               <a:rPr lang="it-IT" smtClean="0"/>
-              <a:t>01/02/2019</a:t>
+              <a:t>08/02/2019</a:t>
             </a:fld>
             <a:endParaRPr lang="it-IT"/>
           </a:p>
@@ -2015,7 +2015,7 @@
           <a:ln/>
           <a:extLst>
             <a:ext uri="{91240B29-F687-4f45-9708-019B960494DF}">
-              <a14:hiddenLine xmlns="" xmlns:a14="http://schemas.microsoft.com/office/drawing/2010/main" w="9525">
+              <a14:hiddenLine xmlns:a14="http://schemas.microsoft.com/office/drawing/2010/main" xmlns="" w="9525">
                 <a:solidFill>
                   <a:srgbClr val="000000"/>
                 </a:solidFill>
@@ -2143,7 +2143,7 @@
           <a:p>
             <a:fld id="{F4D983DA-B033-4AF0-9E72-425BA079F0C8}" type="datetimeFigureOut">
               <a:rPr lang="it-IT" smtClean="0"/>
-              <a:t>01/02/2019</a:t>
+              <a:t>08/02/2019</a:t>
             </a:fld>
             <a:endParaRPr lang="it-IT"/>
           </a:p>
@@ -2298,7 +2298,7 @@
           <a:ln/>
           <a:extLst>
             <a:ext uri="{91240B29-F687-4f45-9708-019B960494DF}">
-              <a14:hiddenLine xmlns="" xmlns:a14="http://schemas.microsoft.com/office/drawing/2010/main" w="9525">
+              <a14:hiddenLine xmlns:a14="http://schemas.microsoft.com/office/drawing/2010/main" xmlns="" w="9525">
                 <a:solidFill>
                   <a:srgbClr val="000000"/>
                 </a:solidFill>
@@ -2426,7 +2426,7 @@
           <a:p>
             <a:fld id="{F4D983DA-B033-4AF0-9E72-425BA079F0C8}" type="datetimeFigureOut">
               <a:rPr lang="it-IT" smtClean="0"/>
-              <a:t>01/02/2019</a:t>
+              <a:t>08/02/2019</a:t>
             </a:fld>
             <a:endParaRPr lang="it-IT"/>
           </a:p>
@@ -2769,7 +2769,7 @@
           <a:p>
             <a:fld id="{F4D983DA-B033-4AF0-9E72-425BA079F0C8}" type="datetimeFigureOut">
               <a:rPr lang="it-IT" smtClean="0"/>
-              <a:t>01/02/2019</a:t>
+              <a:t>08/02/2019</a:t>
             </a:fld>
             <a:endParaRPr lang="it-IT"/>
           </a:p>
@@ -2924,7 +2924,7 @@
           <a:ln/>
           <a:extLst>
             <a:ext uri="{91240B29-F687-4f45-9708-019B960494DF}">
-              <a14:hiddenLine xmlns="" xmlns:a14="http://schemas.microsoft.com/office/drawing/2010/main" w="9525">
+              <a14:hiddenLine xmlns:a14="http://schemas.microsoft.com/office/drawing/2010/main" xmlns="" w="9525">
                 <a:solidFill>
                   <a:srgbClr val="000000"/>
                 </a:solidFill>
@@ -3108,7 +3108,7 @@
           <a:p>
             <a:fld id="{F4D983DA-B033-4AF0-9E72-425BA079F0C8}" type="datetimeFigureOut">
               <a:rPr lang="it-IT" smtClean="0"/>
-              <a:t>01/02/2019</a:t>
+              <a:t>08/02/2019</a:t>
             </a:fld>
             <a:endParaRPr lang="it-IT"/>
           </a:p>
@@ -3263,7 +3263,7 @@
           <a:ln/>
           <a:extLst>
             <a:ext uri="{91240B29-F687-4f45-9708-019B960494DF}">
-              <a14:hiddenLine xmlns="" xmlns:a14="http://schemas.microsoft.com/office/drawing/2010/main" w="9525">
+              <a14:hiddenLine xmlns:a14="http://schemas.microsoft.com/office/drawing/2010/main" xmlns="" w="9525">
                 <a:solidFill>
                   <a:srgbClr val="000000"/>
                 </a:solidFill>
@@ -3585,7 +3585,7 @@
           <a:p>
             <a:fld id="{F4D983DA-B033-4AF0-9E72-425BA079F0C8}" type="datetimeFigureOut">
               <a:rPr lang="it-IT" smtClean="0"/>
-              <a:t>01/02/2019</a:t>
+              <a:t>08/02/2019</a:t>
             </a:fld>
             <a:endParaRPr lang="it-IT"/>
           </a:p>
@@ -3740,7 +3740,7 @@
           <a:ln/>
           <a:extLst>
             <a:ext uri="{91240B29-F687-4f45-9708-019B960494DF}">
-              <a14:hiddenLine xmlns="" xmlns:a14="http://schemas.microsoft.com/office/drawing/2010/main" w="9525">
+              <a14:hiddenLine xmlns:a14="http://schemas.microsoft.com/office/drawing/2010/main" xmlns="" w="9525">
                 <a:solidFill>
                   <a:srgbClr val="000000"/>
                 </a:solidFill>
@@ -3806,7 +3806,7 @@
           <a:p>
             <a:fld id="{F4D983DA-B033-4AF0-9E72-425BA079F0C8}" type="datetimeFigureOut">
               <a:rPr lang="it-IT" smtClean="0"/>
-              <a:t>01/02/2019</a:t>
+              <a:t>08/02/2019</a:t>
             </a:fld>
             <a:endParaRPr lang="it-IT"/>
           </a:p>
@@ -3901,7 +3901,7 @@
           <a:p>
             <a:fld id="{F4D983DA-B033-4AF0-9E72-425BA079F0C8}" type="datetimeFigureOut">
               <a:rPr lang="it-IT" smtClean="0"/>
-              <a:t>01/02/2019</a:t>
+              <a:t>08/02/2019</a:t>
             </a:fld>
             <a:endParaRPr lang="it-IT"/>
           </a:p>
@@ -4169,7 +4169,7 @@
           <a:ln/>
           <a:extLst>
             <a:ext uri="{91240B29-F687-4f45-9708-019B960494DF}">
-              <a14:hiddenLine xmlns="" xmlns:a14="http://schemas.microsoft.com/office/drawing/2010/main" w="9525">
+              <a14:hiddenLine xmlns:a14="http://schemas.microsoft.com/office/drawing/2010/main" xmlns="" w="9525">
                 <a:solidFill>
                   <a:srgbClr val="000000"/>
                 </a:solidFill>
@@ -4368,7 +4368,7 @@
           <a:p>
             <a:fld id="{F4D983DA-B033-4AF0-9E72-425BA079F0C8}" type="datetimeFigureOut">
               <a:rPr lang="it-IT" smtClean="0"/>
-              <a:t>01/02/2019</a:t>
+              <a:t>08/02/2019</a:t>
             </a:fld>
             <a:endParaRPr lang="it-IT"/>
           </a:p>
@@ -4681,7 +4681,7 @@
           <a:p>
             <a:fld id="{F4D983DA-B033-4AF0-9E72-425BA079F0C8}" type="datetimeFigureOut">
               <a:rPr lang="it-IT" smtClean="0"/>
-              <a:t>01/02/2019</a:t>
+              <a:t>08/02/2019</a:t>
             </a:fld>
             <a:endParaRPr lang="it-IT"/>
           </a:p>
@@ -4951,7 +4951,7 @@
           <a:p>
             <a:fld id="{F4D983DA-B033-4AF0-9E72-425BA079F0C8}" type="datetimeFigureOut">
               <a:rPr lang="it-IT" smtClean="0"/>
-              <a:t>01/02/2019</a:t>
+              <a:t>08/02/2019</a:t>
             </a:fld>
             <a:endParaRPr lang="it-IT"/>
           </a:p>
@@ -5440,15 +5440,7 @@
           <a:p>
             <a:r>
               <a:rPr lang="it-IT" dirty="0" smtClean="0"/>
-              <a:t>Semplicità ideata da </a:t>
-            </a:r>
-            <a:r>
-              <a:rPr lang="it-IT" dirty="0" smtClean="0"/>
-              <a:t>Carlo </a:t>
-            </a:r>
-            <a:r>
-              <a:rPr lang="it-IT" dirty="0" smtClean="0"/>
-              <a:t>Pezzotti, Paolo Weishaupt</a:t>
+              <a:t>Semplicità ideata da Carlo Pezzotti, Paolo Weishaupt</a:t>
             </a:r>
             <a:endParaRPr lang="it-IT" dirty="0"/>
           </a:p>
@@ -5544,7 +5536,11 @@
           <a:p>
             <a:r>
               <a:rPr lang="it-IT" sz="2500" dirty="0" smtClean="0"/>
-              <a:t>Metodi implentati</a:t>
+              <a:t>Metodi </a:t>
+            </a:r>
+            <a:r>
+              <a:rPr lang="it-IT" sz="2500" dirty="0" smtClean="0"/>
+              <a:t>implementati</a:t>
             </a:r>
             <a:endParaRPr lang="it-IT" sz="2500" dirty="0"/>
           </a:p>
@@ -5584,6 +5580,13 @@
   <p:clrMapOvr>
     <a:masterClrMapping/>
   </p:clrMapOvr>
+  <p:timing>
+    <p:tnLst>
+      <p:par>
+        <p:cTn id="1" dur="indefinite" restart="never" nodeType="tmRoot"/>
+      </p:par>
+    </p:tnLst>
+  </p:timing>
 </p:sld>
 </file>
 
@@ -5706,6 +5709,13 @@
   <p:clrMapOvr>
     <a:masterClrMapping/>
   </p:clrMapOvr>
+  <p:timing>
+    <p:tnLst>
+      <p:par>
+        <p:cTn id="1" dur="indefinite" restart="never" nodeType="tmRoot"/>
+      </p:par>
+    </p:tnLst>
+  </p:timing>
 </p:sld>
 </file>
 
@@ -5821,11 +5831,7 @@
           <a:p>
             <a:r>
               <a:rPr lang="it-IT" dirty="0" smtClean="0"/>
-              <a:t>Chi </a:t>
-            </a:r>
-            <a:r>
-              <a:rPr lang="it-IT" dirty="0" smtClean="0"/>
-              <a:t>siamo?</a:t>
+              <a:t>Chi siamo?</a:t>
             </a:r>
             <a:endParaRPr lang="it-IT" dirty="0"/>
           </a:p>
@@ -5850,13 +5856,8 @@
           <a:p>
             <a:r>
               <a:rPr lang="it-IT" sz="2500" dirty="0" smtClean="0"/>
-              <a:t>Carlo </a:t>
-            </a:r>
-            <a:r>
-              <a:rPr lang="it-IT" sz="2500" dirty="0" smtClean="0"/>
-              <a:t>Pezzotti,Paolo Claudio Weishaupt</a:t>
-            </a:r>
-            <a:endParaRPr lang="it-IT" sz="2500" dirty="0" smtClean="0"/>
+              <a:t>Carlo Pezzotti,Paolo Claudio Weishaupt</a:t>
+            </a:r>
           </a:p>
           <a:p>
             <a:endParaRPr lang="it-IT" sz="2500" dirty="0" smtClean="0"/>
@@ -5866,7 +5867,6 @@
               <a:rPr lang="it-IT" sz="2500" dirty="0" smtClean="0"/>
               <a:t>Informatici</a:t>
             </a:r>
-            <a:endParaRPr lang="it-IT" sz="2500" dirty="0" smtClean="0"/>
           </a:p>
         </p:txBody>
       </p:sp>
@@ -6729,6 +6729,13 @@
   <p:clrMapOvr>
     <a:masterClrMapping/>
   </p:clrMapOvr>
+  <p:timing>
+    <p:tnLst>
+      <p:par>
+        <p:cTn id="1" dur="indefinite" restart="never" nodeType="tmRoot"/>
+      </p:par>
+    </p:tnLst>
+  </p:timing>
 </p:sld>
 </file>
 

--- a/Presentazione/Sistema didattico per arduino.pptx
+++ b/Presentazione/Sistema didattico per arduino.pptx
@@ -218,7 +218,7 @@
           <a:effectLst/>
           <a:extLst>
             <a:ext uri="{91240B29-F687-4f45-9708-019B960494DF}">
-              <a14:hiddenLine xmlns:a14="http://schemas.microsoft.com/office/drawing/2010/main" xmlns="" w="9525">
+              <a14:hiddenLine xmlns="" xmlns:a14="http://schemas.microsoft.com/office/drawing/2010/main" w="9525">
                 <a:solidFill>
                   <a:srgbClr val="000000"/>
                 </a:solidFill>
@@ -1740,7 +1740,7 @@
           <a:ln/>
           <a:extLst>
             <a:ext uri="{91240B29-F687-4f45-9708-019B960494DF}">
-              <a14:hiddenLine xmlns:a14="http://schemas.microsoft.com/office/drawing/2010/main" xmlns="" w="9525">
+              <a14:hiddenLine xmlns="" xmlns:a14="http://schemas.microsoft.com/office/drawing/2010/main" w="9525">
                 <a:solidFill>
                   <a:srgbClr val="000000"/>
                 </a:solidFill>
@@ -2015,7 +2015,7 @@
           <a:ln/>
           <a:extLst>
             <a:ext uri="{91240B29-F687-4f45-9708-019B960494DF}">
-              <a14:hiddenLine xmlns:a14="http://schemas.microsoft.com/office/drawing/2010/main" xmlns="" w="9525">
+              <a14:hiddenLine xmlns="" xmlns:a14="http://schemas.microsoft.com/office/drawing/2010/main" w="9525">
                 <a:solidFill>
                   <a:srgbClr val="000000"/>
                 </a:solidFill>
@@ -2298,7 +2298,7 @@
           <a:ln/>
           <a:extLst>
             <a:ext uri="{91240B29-F687-4f45-9708-019B960494DF}">
-              <a14:hiddenLine xmlns:a14="http://schemas.microsoft.com/office/drawing/2010/main" xmlns="" w="9525">
+              <a14:hiddenLine xmlns="" xmlns:a14="http://schemas.microsoft.com/office/drawing/2010/main" w="9525">
                 <a:solidFill>
                   <a:srgbClr val="000000"/>
                 </a:solidFill>
@@ -2924,7 +2924,7 @@
           <a:ln/>
           <a:extLst>
             <a:ext uri="{91240B29-F687-4f45-9708-019B960494DF}">
-              <a14:hiddenLine xmlns:a14="http://schemas.microsoft.com/office/drawing/2010/main" xmlns="" w="9525">
+              <a14:hiddenLine xmlns="" xmlns:a14="http://schemas.microsoft.com/office/drawing/2010/main" w="9525">
                 <a:solidFill>
                   <a:srgbClr val="000000"/>
                 </a:solidFill>
@@ -3263,7 +3263,7 @@
           <a:ln/>
           <a:extLst>
             <a:ext uri="{91240B29-F687-4f45-9708-019B960494DF}">
-              <a14:hiddenLine xmlns:a14="http://schemas.microsoft.com/office/drawing/2010/main" xmlns="" w="9525">
+              <a14:hiddenLine xmlns="" xmlns:a14="http://schemas.microsoft.com/office/drawing/2010/main" w="9525">
                 <a:solidFill>
                   <a:srgbClr val="000000"/>
                 </a:solidFill>
@@ -3740,7 +3740,7 @@
           <a:ln/>
           <a:extLst>
             <a:ext uri="{91240B29-F687-4f45-9708-019B960494DF}">
-              <a14:hiddenLine xmlns:a14="http://schemas.microsoft.com/office/drawing/2010/main" xmlns="" w="9525">
+              <a14:hiddenLine xmlns="" xmlns:a14="http://schemas.microsoft.com/office/drawing/2010/main" w="9525">
                 <a:solidFill>
                   <a:srgbClr val="000000"/>
                 </a:solidFill>
@@ -4169,7 +4169,7 @@
           <a:ln/>
           <a:extLst>
             <a:ext uri="{91240B29-F687-4f45-9708-019B960494DF}">
-              <a14:hiddenLine xmlns:a14="http://schemas.microsoft.com/office/drawing/2010/main" xmlns="" w="9525">
+              <a14:hiddenLine xmlns="" xmlns:a14="http://schemas.microsoft.com/office/drawing/2010/main" w="9525">
                 <a:solidFill>
                   <a:srgbClr val="000000"/>
                 </a:solidFill>
@@ -5536,11 +5536,7 @@
           <a:p>
             <a:r>
               <a:rPr lang="it-IT" sz="2500" dirty="0" smtClean="0"/>
-              <a:t>Metodi </a:t>
-            </a:r>
-            <a:r>
-              <a:rPr lang="it-IT" sz="2500" dirty="0" smtClean="0"/>
-              <a:t>implementati</a:t>
+              <a:t>Metodi implementati</a:t>
             </a:r>
             <a:endParaRPr lang="it-IT" sz="2500" dirty="0"/>
           </a:p>
@@ -5932,26 +5928,31 @@
       </p:sp>
       <p:pic>
         <p:nvPicPr>
-          <p:cNvPr id="6" name="Picture 5"/>
+          <p:cNvPr id="4" name="Content Placeholder 2"/>
           <p:cNvPicPr>
-            <a:picLocks noChangeAspect="1"/>
+            <a:picLocks noGrp="1" noChangeAspect="1"/>
           </p:cNvPicPr>
-          <p:nvPr/>
+          <p:nvPr>
+            <p:ph idx="1"/>
+          </p:nvPr>
         </p:nvPicPr>
         <p:blipFill>
-          <a:blip r:embed="rId2"/>
+          <a:blip r:embed="rId2" cstate="print">
+            <a:extLst>
+              <a:ext uri="{28A0092B-C50C-407E-A947-70E740481C1C}">
+                <a14:useLocalDpi xmlns:a14="http://schemas.microsoft.com/office/drawing/2010/main" val="0"/>
+              </a:ext>
+            </a:extLst>
+          </a:blip>
           <a:stretch>
             <a:fillRect/>
           </a:stretch>
         </p:blipFill>
         <p:spPr>
           <a:xfrm>
-            <a:off x="0" y="2897860"/>
-            <a:ext cx="12192000" cy="3707642"/>
+            <a:off x="0" y="2950399"/>
+            <a:ext cx="12192000" cy="3636963"/>
           </a:xfrm>
-          <a:prstGeom prst="rect">
-            <a:avLst/>
-          </a:prstGeom>
         </p:spPr>
       </p:pic>
     </p:spTree>
@@ -6014,28 +6015,9 @@
           </a:p>
         </p:txBody>
       </p:sp>
-      <p:sp>
-        <p:nvSpPr>
-          <p:cNvPr id="5" name="Content Placeholder 4"/>
-          <p:cNvSpPr>
-            <a:spLocks noGrp="1"/>
-          </p:cNvSpPr>
-          <p:nvPr>
-            <p:ph idx="1"/>
-          </p:nvPr>
-        </p:nvSpPr>
-        <p:spPr/>
-        <p:txBody>
-          <a:bodyPr/>
-          <a:lstStyle/>
-          <a:p>
-            <a:endParaRPr lang="it-IT" dirty="0"/>
-          </a:p>
-        </p:txBody>
-      </p:sp>
       <p:pic>
         <p:nvPicPr>
-          <p:cNvPr id="6" name="Picture 5"/>
+          <p:cNvPr id="7" name="Picture 6"/>
           <p:cNvPicPr>
             <a:picLocks noChangeAspect="1"/>
           </p:cNvPicPr>
@@ -6049,14 +6031,33 @@
         </p:blipFill>
         <p:spPr>
           <a:xfrm>
-            <a:off x="0" y="2932114"/>
-            <a:ext cx="12192000" cy="3731333"/>
+            <a:off x="0" y="2897860"/>
+            <a:ext cx="12192000" cy="3707642"/>
           </a:xfrm>
           <a:prstGeom prst="rect">
             <a:avLst/>
           </a:prstGeom>
         </p:spPr>
       </p:pic>
+      <p:sp>
+        <p:nvSpPr>
+          <p:cNvPr id="4" name="Content Placeholder 3"/>
+          <p:cNvSpPr>
+            <a:spLocks noGrp="1"/>
+          </p:cNvSpPr>
+          <p:nvPr>
+            <p:ph idx="1"/>
+          </p:nvPr>
+        </p:nvSpPr>
+        <p:spPr/>
+        <p:txBody>
+          <a:bodyPr/>
+          <a:lstStyle/>
+          <a:p>
+            <a:endParaRPr lang="en-US"/>
+          </a:p>
+        </p:txBody>
+      </p:sp>
     </p:spTree>
     <p:extLst>
       <p:ext uri="{BB962C8B-B14F-4D97-AF65-F5344CB8AC3E}">
